--- a/Report/SURE_Poster.pptx
+++ b/Report/SURE_Poster.pptx
@@ -243,7 +243,7 @@
           <a:p>
             <a:fld id="{4AAD5197-33D8-404B-BB46-46338D5CAA86}" type="datetimeFigureOut">
               <a:rPr lang="en-US" smtClean="0"/>
-              <a:t>8/5/2025</a:t>
+              <a:t>8/8/2025</a:t>
             </a:fld>
             <a:endParaRPr lang="en-US"/>
           </a:p>
@@ -413,7 +413,7 @@
           <a:p>
             <a:fld id="{4AAD5197-33D8-404B-BB46-46338D5CAA86}" type="datetimeFigureOut">
               <a:rPr lang="en-US" smtClean="0"/>
-              <a:t>8/5/2025</a:t>
+              <a:t>8/8/2025</a:t>
             </a:fld>
             <a:endParaRPr lang="en-US"/>
           </a:p>
@@ -593,7 +593,7 @@
           <a:p>
             <a:fld id="{4AAD5197-33D8-404B-BB46-46338D5CAA86}" type="datetimeFigureOut">
               <a:rPr lang="en-US" smtClean="0"/>
-              <a:t>8/5/2025</a:t>
+              <a:t>8/8/2025</a:t>
             </a:fld>
             <a:endParaRPr lang="en-US"/>
           </a:p>
@@ -763,7 +763,7 @@
           <a:p>
             <a:fld id="{4AAD5197-33D8-404B-BB46-46338D5CAA86}" type="datetimeFigureOut">
               <a:rPr lang="en-US" smtClean="0"/>
-              <a:t>8/5/2025</a:t>
+              <a:t>8/8/2025</a:t>
             </a:fld>
             <a:endParaRPr lang="en-US"/>
           </a:p>
@@ -1009,7 +1009,7 @@
           <a:p>
             <a:fld id="{4AAD5197-33D8-404B-BB46-46338D5CAA86}" type="datetimeFigureOut">
               <a:rPr lang="en-US" smtClean="0"/>
-              <a:t>8/5/2025</a:t>
+              <a:t>8/8/2025</a:t>
             </a:fld>
             <a:endParaRPr lang="en-US"/>
           </a:p>
@@ -1241,7 +1241,7 @@
           <a:p>
             <a:fld id="{4AAD5197-33D8-404B-BB46-46338D5CAA86}" type="datetimeFigureOut">
               <a:rPr lang="en-US" smtClean="0"/>
-              <a:t>8/5/2025</a:t>
+              <a:t>8/8/2025</a:t>
             </a:fld>
             <a:endParaRPr lang="en-US"/>
           </a:p>
@@ -1608,7 +1608,7 @@
           <a:p>
             <a:fld id="{4AAD5197-33D8-404B-BB46-46338D5CAA86}" type="datetimeFigureOut">
               <a:rPr lang="en-US" smtClean="0"/>
-              <a:t>8/5/2025</a:t>
+              <a:t>8/8/2025</a:t>
             </a:fld>
             <a:endParaRPr lang="en-US"/>
           </a:p>
@@ -1726,7 +1726,7 @@
           <a:p>
             <a:fld id="{4AAD5197-33D8-404B-BB46-46338D5CAA86}" type="datetimeFigureOut">
               <a:rPr lang="en-US" smtClean="0"/>
-              <a:t>8/5/2025</a:t>
+              <a:t>8/8/2025</a:t>
             </a:fld>
             <a:endParaRPr lang="en-US"/>
           </a:p>
@@ -1821,7 +1821,7 @@
           <a:p>
             <a:fld id="{4AAD5197-33D8-404B-BB46-46338D5CAA86}" type="datetimeFigureOut">
               <a:rPr lang="en-US" smtClean="0"/>
-              <a:t>8/5/2025</a:t>
+              <a:t>8/8/2025</a:t>
             </a:fld>
             <a:endParaRPr lang="en-US"/>
           </a:p>
@@ -2098,7 +2098,7 @@
           <a:p>
             <a:fld id="{4AAD5197-33D8-404B-BB46-46338D5CAA86}" type="datetimeFigureOut">
               <a:rPr lang="en-US" smtClean="0"/>
-              <a:t>8/5/2025</a:t>
+              <a:t>8/8/2025</a:t>
             </a:fld>
             <a:endParaRPr lang="en-US"/>
           </a:p>
@@ -2355,7 +2355,7 @@
           <a:p>
             <a:fld id="{4AAD5197-33D8-404B-BB46-46338D5CAA86}" type="datetimeFigureOut">
               <a:rPr lang="en-US" smtClean="0"/>
-              <a:t>8/5/2025</a:t>
+              <a:t>8/8/2025</a:t>
             </a:fld>
             <a:endParaRPr lang="en-US"/>
           </a:p>
@@ -2568,7 +2568,7 @@
           <a:p>
             <a:fld id="{4AAD5197-33D8-404B-BB46-46338D5CAA86}" type="datetimeFigureOut">
               <a:rPr lang="en-US" smtClean="0"/>
-              <a:t>8/5/2025</a:t>
+              <a:t>8/8/2025</a:t>
             </a:fld>
             <a:endParaRPr lang="en-US"/>
           </a:p>
@@ -3290,22 +3290,13 @@
           <a:p>
             <a:pPr algn="ctr"/>
             <a:r>
-              <a:rPr lang="en-US" sz="6000" b="1" dirty="0" err="1">
-                <a:solidFill>
-                  <a:schemeClr val="bg1"/>
-                </a:solidFill>
-                <a:latin typeface="+mj-lt"/>
-              </a:rPr>
-              <a:t>StatiCAN</a:t>
-            </a:r>
-            <a:r>
               <a:rPr lang="en-US" sz="6000" b="1" dirty="0">
                 <a:solidFill>
                   <a:schemeClr val="bg1"/>
                 </a:solidFill>
                 <a:latin typeface="+mj-lt"/>
               </a:rPr>
-              <a:t>: Static Analysis Tools for Developing and Debugging CAN-Based Communication Systems</a:t>
+              <a:t>Patterns and Pitfalls: Empirical Insights into CAN Bus Bugs in Open-Source Repositories</a:t>
             </a:r>
           </a:p>
           <a:p>
@@ -3317,7 +3308,25 @@
                 </a:solidFill>
                 <a:latin typeface="+mj-lt"/>
               </a:rPr>
-              <a:t>Michael Gharbieh, Dr. Foyzul Hassan, Dr. Bruce Maxim</a:t>
+              <a:t>Michael </a:t>
+            </a:r>
+            <a:r>
+              <a:rPr lang="en-US" sz="5400" dirty="0" err="1">
+                <a:solidFill>
+                  <a:schemeClr val="bg1"/>
+                </a:solidFill>
+                <a:latin typeface="+mj-lt"/>
+              </a:rPr>
+              <a:t>Gharbieh</a:t>
+            </a:r>
+            <a:r>
+              <a:rPr lang="en-US" sz="5400" dirty="0">
+                <a:solidFill>
+                  <a:schemeClr val="bg1"/>
+                </a:solidFill>
+                <a:latin typeface="+mj-lt"/>
+              </a:rPr>
+              <a:t>, Dr. Foyzul Hassan, Dr. Bruce Maxim</a:t>
             </a:r>
           </a:p>
           <a:p>
@@ -4695,7 +4704,7 @@
                   <a:schemeClr val="bg1"/>
                 </a:solidFill>
               </a:rPr>
-              <a:t>Conclusion</a:t>
+              <a:t>Conclusion &amp; Future Work</a:t>
             </a:r>
           </a:p>
         </p:txBody>
@@ -4874,8 +4883,12 @@
           <a:lstStyle/>
           <a:p>
             <a:r>
-              <a:rPr lang="en-US" sz="4000" dirty="0"/>
-              <a:t>This is filler text </a:t>
+              <a:rPr lang="en-US" sz="4000" dirty="0">
+                <a:solidFill>
+                  <a:srgbClr val="FF0000"/>
+                </a:solidFill>
+              </a:rPr>
+              <a:t>Include summary of empirical analysis outcome a bullet point </a:t>
             </a:r>
           </a:p>
           <a:p>
@@ -4911,8 +4924,8 @@
         </p:nvSpPr>
         <p:spPr>
           <a:xfrm>
-            <a:off x="9772889" y="27321206"/>
-            <a:ext cx="17659110" cy="3170099"/>
+            <a:off x="9683681" y="27321206"/>
+            <a:ext cx="17659110" cy="3785652"/>
           </a:xfrm>
           <a:prstGeom prst="rect">
             <a:avLst/>
@@ -4927,7 +4940,7 @@
           <a:p>
             <a:r>
               <a:rPr lang="en-US" sz="4000" dirty="0"/>
-              <a:t>This is filler text </a:t>
+              <a:t>Discuss summary of the work and include some future work directions that we want to develop statis analyzer for detecting these problems.</a:t>
             </a:r>
           </a:p>
           <a:p>
@@ -4964,7 +4977,7 @@
         <p:spPr>
           <a:xfrm>
             <a:off x="9845144" y="5989281"/>
-            <a:ext cx="17659110" cy="5734903"/>
+            <a:ext cx="17659110" cy="6288901"/>
           </a:xfrm>
           <a:prstGeom prst="rect">
             <a:avLst/>
@@ -5044,8 +5057,12 @@
               <a:buAutoNum type="arabicPeriod"/>
             </a:pPr>
             <a:r>
-              <a:rPr lang="en-US" sz="3600" dirty="0"/>
-              <a:t>An AST (Abstract Syntax Tree) was generated for the source code which the commits were working on to be used for common pattern prediction.</a:t>
+              <a:rPr lang="en-US" sz="3600" dirty="0">
+                <a:solidFill>
+                  <a:srgbClr val="FF0000"/>
+                </a:solidFill>
+              </a:rPr>
+              <a:t>An AST (Abstract Syntax Tree) was generated for the source code which the commits were working on to be used for common pattern prediction. (For SURE elaborate more on empirical part)</a:t>
             </a:r>
           </a:p>
           <a:p>
@@ -5360,7 +5377,7 @@
         </p:blipFill>
         <p:spPr>
           <a:xfrm>
-            <a:off x="28750485" y="6235817"/>
+            <a:off x="28957004" y="17398763"/>
             <a:ext cx="14066588" cy="6361773"/>
           </a:xfrm>
           <a:prstGeom prst="rect">
@@ -5387,7 +5404,7 @@
         </p:nvSpPr>
         <p:spPr>
           <a:xfrm>
-            <a:off x="28750485" y="12597590"/>
+            <a:off x="30513971" y="23915054"/>
             <a:ext cx="14066588" cy="523220"/>
           </a:xfrm>
           <a:prstGeom prst="rect">
@@ -5403,7 +5420,76 @@
           <a:p>
             <a:r>
               <a:rPr lang="en-US" sz="2800" dirty="0"/>
-              <a:t>Figure 1: Taxonomy of bug categories with bug count per category</a:t>
+              <a:t>Figure 2: Taxonomy of bug categories with bug count per category</a:t>
+            </a:r>
+          </a:p>
+        </p:txBody>
+      </p:sp>
+      <p:pic>
+        <p:nvPicPr>
+          <p:cNvPr id="4" name="Picture 3">
+            <a:extLst>
+              <a:ext uri="{FF2B5EF4-FFF2-40B4-BE49-F238E27FC236}">
+                <a16:creationId xmlns:a16="http://schemas.microsoft.com/office/drawing/2014/main" id="{EC46A3E4-9D5F-248B-C6CD-0F1E607A7F95}"/>
+              </a:ext>
+            </a:extLst>
+          </p:cNvPr>
+          <p:cNvPicPr>
+            <a:picLocks noChangeAspect="1"/>
+          </p:cNvPicPr>
+          <p:nvPr/>
+        </p:nvPicPr>
+        <p:blipFill>
+          <a:blip r:embed="rId6"/>
+          <a:stretch>
+            <a:fillRect/>
+          </a:stretch>
+        </p:blipFill>
+        <p:spPr>
+          <a:xfrm>
+            <a:off x="31432680" y="6503970"/>
+            <a:ext cx="8351520" cy="7855697"/>
+          </a:xfrm>
+          <a:prstGeom prst="rect">
+            <a:avLst/>
+          </a:prstGeom>
+        </p:spPr>
+      </p:pic>
+      <p:sp>
+        <p:nvSpPr>
+          <p:cNvPr id="32" name="TextBox 31">
+            <a:extLst>
+              <a:ext uri="{FF2B5EF4-FFF2-40B4-BE49-F238E27FC236}">
+                <a16:creationId xmlns:a16="http://schemas.microsoft.com/office/drawing/2014/main" id="{A4599B92-563E-5442-4888-AF8B30AF7CE0}"/>
+              </a:ext>
+            </a:extLst>
+          </p:cNvPr>
+          <p:cNvSpPr txBox="1"/>
+          <p:nvPr/>
+        </p:nvSpPr>
+        <p:spPr>
+          <a:xfrm>
+            <a:off x="33798711" y="14766248"/>
+            <a:ext cx="6924746" cy="1384995"/>
+          </a:xfrm>
+          <a:prstGeom prst="rect">
+            <a:avLst/>
+          </a:prstGeom>
+          <a:noFill/>
+        </p:spPr>
+        <p:txBody>
+          <a:bodyPr wrap="square" rtlCol="0">
+            <a:spAutoFit/>
+          </a:bodyPr>
+          <a:lstStyle/>
+          <a:p>
+            <a:r>
+              <a:rPr lang="en-US" sz="2800" dirty="0">
+                <a:solidFill>
+                  <a:srgbClr val="FF0000"/>
+                </a:solidFill>
+              </a:rPr>
+              <a:t>Figure 1: Approach Overview (This one is sample, you have to update for your projects)</a:t>
             </a:r>
           </a:p>
         </p:txBody>

--- a/Report/SURE_Poster.pptx
+++ b/Report/SURE_Poster.pptx
@@ -2992,7 +2992,7 @@
           </a:xfrm>
           <a:prstGeom prst="roundRect">
             <a:avLst>
-              <a:gd name="adj" fmla="val 4524"/>
+              <a:gd name="adj" fmla="val 2915"/>
             </a:avLst>
           </a:prstGeom>
           <a:noFill/>
@@ -3456,7 +3456,23 @@
             </a:pPr>
             <a:r>
               <a:rPr lang="en-US" sz="3600" dirty="0"/>
-              <a:t>While the protocol itself is standardized by bodies like ISO (International Standards Organization) and SAE (Society of Automotive Engineers), development tools vary wildly.</a:t>
+              <a:t>While the protocol itself is standardized by bodies like ISO</a:t>
+            </a:r>
+            <a:r>
+              <a:rPr lang="en-US" sz="3600" baseline="30000" dirty="0"/>
+              <a:t>2</a:t>
+            </a:r>
+            <a:r>
+              <a:rPr lang="en-US" sz="3600" dirty="0"/>
+              <a:t> (International Standards Organization) and SAE</a:t>
+            </a:r>
+            <a:r>
+              <a:rPr lang="en-US" sz="3600" baseline="30000" dirty="0"/>
+              <a:t>3</a:t>
+            </a:r>
+            <a:r>
+              <a:rPr lang="en-US" sz="3600" dirty="0"/>
+              <a:t> (Society of Automotive Engineers), development tools vary wildly.</a:t>
             </a:r>
           </a:p>
           <a:p>
@@ -3505,7 +3521,7 @@
         </p:nvSpPr>
         <p:spPr>
           <a:xfrm>
-            <a:off x="696685" y="19181820"/>
+            <a:off x="696685" y="19003840"/>
             <a:ext cx="8289348" cy="5270659"/>
           </a:xfrm>
           <a:prstGeom prst="roundRect">
@@ -3631,7 +3647,7 @@
         </p:nvSpPr>
         <p:spPr>
           <a:xfrm>
-            <a:off x="914230" y="19343879"/>
+            <a:off x="914230" y="19165899"/>
             <a:ext cx="7876150" cy="1066205"/>
           </a:xfrm>
           <a:prstGeom prst="roundRect">
@@ -3677,7 +3693,7 @@
         </p:nvSpPr>
         <p:spPr>
           <a:xfrm>
-            <a:off x="914229" y="20410084"/>
+            <a:off x="914229" y="20232104"/>
             <a:ext cx="7876150" cy="3970318"/>
           </a:xfrm>
           <a:prstGeom prst="rect">
@@ -3712,12 +3728,12 @@
         </p:nvSpPr>
         <p:spPr>
           <a:xfrm>
-            <a:off x="696685" y="24792518"/>
-            <a:ext cx="8289348" cy="7435394"/>
+            <a:off x="696685" y="24436558"/>
+            <a:ext cx="8289348" cy="7937361"/>
           </a:xfrm>
           <a:prstGeom prst="roundRect">
             <a:avLst>
-              <a:gd name="adj" fmla="val 4524"/>
+              <a:gd name="adj" fmla="val 3084"/>
             </a:avLst>
           </a:prstGeom>
           <a:noFill/>
@@ -3805,7 +3821,19 @@
             <a:endParaRPr lang="en-US" dirty="0"/>
           </a:p>
           <a:p>
-            <a:endParaRPr lang="en-US" dirty="0"/>
+            <a:endParaRPr lang="en-US" sz="1000" dirty="0"/>
+          </a:p>
+          <a:p>
+            <a:endParaRPr lang="en-US" sz="1000" dirty="0"/>
+          </a:p>
+          <a:p>
+            <a:endParaRPr lang="en-US" sz="1000" dirty="0"/>
+          </a:p>
+          <a:p>
+            <a:endParaRPr lang="en-US" sz="1000" dirty="0"/>
+          </a:p>
+          <a:p>
+            <a:endParaRPr lang="en-US" sz="1000" dirty="0"/>
           </a:p>
           <a:p>
             <a:endParaRPr lang="en-US" dirty="0"/>
@@ -3826,7 +3854,7 @@
         </p:nvSpPr>
         <p:spPr>
           <a:xfrm>
-            <a:off x="914230" y="24954577"/>
+            <a:off x="914229" y="24645162"/>
             <a:ext cx="7876150" cy="1066205"/>
           </a:xfrm>
           <a:prstGeom prst="roundRect">
@@ -3851,7 +3879,7 @@
                   <a:schemeClr val="bg1"/>
                 </a:solidFill>
               </a:rPr>
-              <a:t>SKILL: [SKILL HERE]</a:t>
+              <a:t>SKILL: TECHNOLOGY</a:t>
             </a:r>
           </a:p>
         </p:txBody>
@@ -3872,8 +3900,8 @@
         </p:nvSpPr>
         <p:spPr>
           <a:xfrm>
-            <a:off x="914229" y="26020782"/>
-            <a:ext cx="7876150" cy="3170099"/>
+            <a:off x="914229" y="25672490"/>
+            <a:ext cx="7876150" cy="6740307"/>
           </a:xfrm>
           <a:prstGeom prst="rect">
             <a:avLst/>
@@ -3886,24 +3914,43 @@
           </a:bodyPr>
           <a:lstStyle/>
           <a:p>
-            <a:r>
-              <a:rPr lang="en-US" sz="4000" dirty="0"/>
-              <a:t>This is filler text</a:t>
-            </a:r>
-          </a:p>
-          <a:p>
-            <a:endParaRPr lang="en-US" sz="4000" dirty="0"/>
-          </a:p>
-          <a:p>
-            <a:endParaRPr lang="en-US" sz="4000" dirty="0"/>
-          </a:p>
-          <a:p>
-            <a:endParaRPr lang="en-US" sz="4000" dirty="0"/>
-          </a:p>
-          <a:p>
-            <a:r>
-              <a:rPr lang="en-US" sz="4000" dirty="0"/>
-              <a:t>l</a:t>
+            <a:pPr marL="571500" indent="-571500">
+              <a:buFont typeface="Arial" panose="020B0604020202020204" pitchFamily="34" charset="0"/>
+              <a:buChar char="•"/>
+            </a:pPr>
+            <a:r>
+              <a:rPr lang="en-US" sz="3600" dirty="0"/>
+              <a:t>Navigated between various programming languages with ease.</a:t>
+            </a:r>
+          </a:p>
+          <a:p>
+            <a:pPr marL="571500" indent="-571500">
+              <a:buFont typeface="Arial" panose="020B0604020202020204" pitchFamily="34" charset="0"/>
+              <a:buChar char="•"/>
+            </a:pPr>
+            <a:r>
+              <a:rPr lang="en-US" sz="3600" dirty="0"/>
+              <a:t>Developed new automation tools while still utilizing existing tools and methods to boost productivity.</a:t>
+            </a:r>
+          </a:p>
+          <a:p>
+            <a:pPr marL="571500" indent="-571500">
+              <a:buFont typeface="Arial" panose="020B0604020202020204" pitchFamily="34" charset="0"/>
+              <a:buChar char="•"/>
+            </a:pPr>
+            <a:r>
+              <a:rPr lang="en-US" sz="3600" dirty="0"/>
+              <a:t>Studied existing development technologies to understand how they can be leveraged for use in future technologies.</a:t>
+            </a:r>
+          </a:p>
+          <a:p>
+            <a:pPr marL="571500" indent="-571500">
+              <a:buFont typeface="Arial" panose="020B0604020202020204" pitchFamily="34" charset="0"/>
+              <a:buChar char="•"/>
+            </a:pPr>
+            <a:r>
+              <a:rPr lang="en-US" sz="3600" dirty="0"/>
+              <a:t>Learned, implemented, and troubleshooted new mechanisms for faster knowledge collection.</a:t>
             </a:r>
           </a:p>
         </p:txBody>
@@ -3922,12 +3969,12 @@
         </p:nvSpPr>
         <p:spPr>
           <a:xfrm>
-            <a:off x="28363365" y="27893724"/>
-            <a:ext cx="14613606" cy="4329470"/>
+            <a:off x="28363365" y="27733856"/>
+            <a:ext cx="14840828" cy="4611826"/>
           </a:xfrm>
           <a:prstGeom prst="roundRect">
             <a:avLst>
-              <a:gd name="adj" fmla="val 4524"/>
+              <a:gd name="adj" fmla="val 9068"/>
             </a:avLst>
           </a:prstGeom>
           <a:noFill/>
@@ -3987,6 +4034,9 @@
           <a:p>
             <a:endParaRPr lang="en-US" dirty="0"/>
           </a:p>
+          <a:p>
+            <a:endParaRPr lang="en-US" dirty="0"/>
+          </a:p>
         </p:txBody>
       </p:sp>
       <p:sp>
@@ -4003,7 +4053,7 @@
         </p:nvSpPr>
         <p:spPr>
           <a:xfrm>
-            <a:off x="28536311" y="28055783"/>
+            <a:off x="28705880" y="27906580"/>
             <a:ext cx="14155797" cy="1066205"/>
           </a:xfrm>
           <a:prstGeom prst="roundRect">
@@ -4049,8 +4099,8 @@
         </p:nvSpPr>
         <p:spPr>
           <a:xfrm>
-            <a:off x="28625520" y="29121988"/>
-            <a:ext cx="14155797" cy="707886"/>
+            <a:off x="28616669" y="29054260"/>
+            <a:ext cx="14155797" cy="3046988"/>
           </a:xfrm>
           <a:prstGeom prst="rect">
             <a:avLst/>
@@ -4063,9 +4113,30 @@
           </a:bodyPr>
           <a:lstStyle/>
           <a:p>
-            <a:r>
-              <a:rPr lang="en-US" sz="2000" dirty="0"/>
-              <a:t>1. https://www.ni.com/en/shop/seamlessly-connect-to-third-party-devices-and-supervisory-system/controller-area-network--can--overview.html?srsltid=AfmBOorKEd5Qlz_YtJ_5vTBd-zO9C4jf6WamtYoeP_-IHzGqsyo0bknL</a:t>
+            <a:pPr marL="457200" indent="-457200">
+              <a:buAutoNum type="arabicPeriod"/>
+            </a:pPr>
+            <a:r>
+              <a:rPr lang="en-US" sz="3200" dirty="0"/>
+              <a:t>https://www.ni.com/en/shop/seamlessly-connect-to-third-party-devices-and-supervisory-system/controller-area-network--can--overview.html?srsltid=AfmBOorKEd5Qlz_YtJ_5vTBd-zO9C4jf6WamtYoeP_-IHzGqsyo0bknL</a:t>
+            </a:r>
+          </a:p>
+          <a:p>
+            <a:pPr marL="457200" indent="-457200">
+              <a:buAutoNum type="arabicPeriod"/>
+            </a:pPr>
+            <a:r>
+              <a:rPr lang="en-US" sz="3200" dirty="0"/>
+              <a:t>https://www.iso.org/standard/86384.html#lifecycle</a:t>
+            </a:r>
+          </a:p>
+          <a:p>
+            <a:pPr marL="457200" indent="-457200">
+              <a:buAutoNum type="arabicPeriod"/>
+            </a:pPr>
+            <a:r>
+              <a:rPr lang="en-US" sz="3200" dirty="0"/>
+              <a:t>https://www.sae.org/publications/collections/content/j1939_dl/</a:t>
             </a:r>
           </a:p>
         </p:txBody>
@@ -4084,8 +4155,8 @@
         </p:nvSpPr>
         <p:spPr>
           <a:xfrm>
-            <a:off x="28363365" y="4837559"/>
-            <a:ext cx="14840828" cy="22747129"/>
+            <a:off x="28363365" y="4764664"/>
+            <a:ext cx="14840828" cy="22806243"/>
           </a:xfrm>
           <a:prstGeom prst="roundRect">
             <a:avLst>
@@ -4344,6 +4415,12 @@
           <a:p>
             <a:endParaRPr lang="en-US" dirty="0"/>
           </a:p>
+          <a:p>
+            <a:endParaRPr lang="en-US" dirty="0"/>
+          </a:p>
+          <a:p>
+            <a:endParaRPr lang="en-US" dirty="0"/>
+          </a:p>
         </p:txBody>
       </p:sp>
       <p:sp>
@@ -4360,7 +4437,7 @@
         </p:nvSpPr>
         <p:spPr>
           <a:xfrm>
-            <a:off x="28661276" y="4975633"/>
+            <a:off x="28684547" y="4937388"/>
             <a:ext cx="14155797" cy="1066205"/>
           </a:xfrm>
           <a:prstGeom prst="roundRect">
@@ -4404,8 +4481,8 @@
         </p:nvSpPr>
         <p:spPr>
           <a:xfrm>
-            <a:off x="9572177" y="4768621"/>
-            <a:ext cx="18205044" cy="9302770"/>
+            <a:off x="9572177" y="4764664"/>
+            <a:ext cx="18205044" cy="9633347"/>
           </a:xfrm>
           <a:prstGeom prst="roundRect">
             <a:avLst>
@@ -4518,7 +4595,25 @@
             <a:endParaRPr lang="en-US" dirty="0"/>
           </a:p>
           <a:p>
-            <a:endParaRPr lang="en-US" dirty="0"/>
+            <a:endParaRPr lang="en-US" sz="800" dirty="0"/>
+          </a:p>
+          <a:p>
+            <a:endParaRPr lang="en-US" sz="800" dirty="0"/>
+          </a:p>
+          <a:p>
+            <a:endParaRPr lang="en-US" sz="800" dirty="0"/>
+          </a:p>
+          <a:p>
+            <a:endParaRPr lang="en-US" sz="800" dirty="0"/>
+          </a:p>
+          <a:p>
+            <a:endParaRPr lang="en-US" sz="800" dirty="0"/>
+          </a:p>
+          <a:p>
+            <a:endParaRPr lang="en-US" sz="800" dirty="0"/>
+          </a:p>
+          <a:p>
+            <a:endParaRPr lang="en-US" sz="800" dirty="0"/>
           </a:p>
         </p:txBody>
       </p:sp>
@@ -4536,7 +4631,7 @@
         </p:nvSpPr>
         <p:spPr>
           <a:xfrm>
-            <a:off x="9845144" y="4934380"/>
+            <a:off x="9845144" y="4930423"/>
             <a:ext cx="17659110" cy="1066205"/>
           </a:xfrm>
           <a:prstGeom prst="roundRect">
@@ -4580,8 +4675,8 @@
         </p:nvSpPr>
         <p:spPr>
           <a:xfrm>
-            <a:off x="9517901" y="26085284"/>
-            <a:ext cx="18205044" cy="6137910"/>
+            <a:off x="9572175" y="25920057"/>
+            <a:ext cx="18205045" cy="6425625"/>
           </a:xfrm>
           <a:prstGeom prst="roundRect">
             <a:avLst>
@@ -4663,6 +4758,9 @@
           <a:p>
             <a:endParaRPr lang="en-US" dirty="0"/>
           </a:p>
+          <a:p>
+            <a:endParaRPr lang="en-US" dirty="0"/>
+          </a:p>
         </p:txBody>
       </p:sp>
       <p:sp>
@@ -4679,7 +4777,7 @@
         </p:nvSpPr>
         <p:spPr>
           <a:xfrm>
-            <a:off x="9772890" y="26255001"/>
+            <a:off x="9845145" y="26128748"/>
             <a:ext cx="17659110" cy="1066205"/>
           </a:xfrm>
           <a:prstGeom prst="roundRect">
@@ -4704,7 +4802,7 @@
                   <a:schemeClr val="bg1"/>
                 </a:solidFill>
               </a:rPr>
-              <a:t>Conclusion &amp; Future Work</a:t>
+              <a:t>Conclusions</a:t>
             </a:r>
           </a:p>
         </p:txBody>
@@ -4723,8 +4821,8 @@
         </p:nvSpPr>
         <p:spPr>
           <a:xfrm>
-            <a:off x="9517901" y="19489494"/>
-            <a:ext cx="18205044" cy="6137910"/>
+            <a:off x="9572175" y="18134884"/>
+            <a:ext cx="18205046" cy="7576483"/>
           </a:xfrm>
           <a:prstGeom prst="roundRect">
             <a:avLst>
@@ -4806,6 +4904,21 @@
           <a:p>
             <a:endParaRPr lang="en-US" dirty="0"/>
           </a:p>
+          <a:p>
+            <a:endParaRPr lang="en-US" dirty="0"/>
+          </a:p>
+          <a:p>
+            <a:endParaRPr lang="en-US" dirty="0"/>
+          </a:p>
+          <a:p>
+            <a:endParaRPr lang="en-US" dirty="0"/>
+          </a:p>
+          <a:p>
+            <a:endParaRPr lang="en-US" dirty="0"/>
+          </a:p>
+          <a:p>
+            <a:endParaRPr lang="en-US" dirty="0"/>
+          </a:p>
         </p:txBody>
       </p:sp>
       <p:sp>
@@ -4822,8 +4935,8 @@
         </p:nvSpPr>
         <p:spPr>
           <a:xfrm>
-            <a:off x="9772890" y="19659211"/>
-            <a:ext cx="17659110" cy="1066205"/>
+            <a:off x="9779098" y="18304290"/>
+            <a:ext cx="17808959" cy="1066205"/>
           </a:xfrm>
           <a:prstGeom prst="roundRect">
             <a:avLst>
@@ -4868,8 +4981,8 @@
         </p:nvSpPr>
         <p:spPr>
           <a:xfrm>
-            <a:off x="9772889" y="20706055"/>
-            <a:ext cx="17659109" cy="3170099"/>
+            <a:off x="9695295" y="19370495"/>
+            <a:ext cx="17659109" cy="6247864"/>
           </a:xfrm>
           <a:prstGeom prst="rect">
             <a:avLst/>
@@ -4882,28 +4995,65 @@
           </a:bodyPr>
           <a:lstStyle/>
           <a:p>
+            <a:pPr marL="571500" indent="-571500">
+              <a:buFont typeface="Arial" panose="020B0604020202020204" pitchFamily="34" charset="0"/>
+              <a:buChar char="•"/>
+            </a:pPr>
+            <a:r>
+              <a:rPr lang="en-US" sz="4000" dirty="0"/>
+              <a:t>7,017 repositories in total were scraped from GitHub and GitLab.  Of the original repositories, 1,882 contained useful commits</a:t>
+            </a:r>
+          </a:p>
+          <a:p>
+            <a:pPr marL="571500" indent="-571500">
+              <a:buFont typeface="Arial" panose="020B0604020202020204" pitchFamily="34" charset="0"/>
+              <a:buChar char="•"/>
+            </a:pPr>
+            <a:r>
+              <a:rPr lang="en-US" sz="4000" dirty="0"/>
+              <a:t>250,902 total commits were analyzed with 39,361 commits being related to a bugfix (of any kind, not exclusive to CAN)</a:t>
+            </a:r>
+          </a:p>
+          <a:p>
+            <a:pPr marL="571500" indent="-571500">
+              <a:buFont typeface="Arial" panose="020B0604020202020204" pitchFamily="34" charset="0"/>
+              <a:buChar char="•"/>
+            </a:pPr>
+            <a:r>
+              <a:rPr lang="en-US" sz="4000" dirty="0"/>
+              <a:t>From the 39,361 bugfix commits, 1,311 were bugfixes that dealt specifically with CAN implementation and/or development from 128 repositories</a:t>
+            </a:r>
+          </a:p>
+          <a:p>
+            <a:pPr marL="571500" indent="-571500">
+              <a:buFont typeface="Arial" panose="020B0604020202020204" pitchFamily="34" charset="0"/>
+              <a:buChar char="•"/>
+            </a:pPr>
+            <a:r>
+              <a:rPr lang="en-US" sz="4000" dirty="0"/>
+              <a:t>A random sample of 300 commits was selected for manual verification, resulting in 95 different (relevant) bugs spanning 7 different categories and 4 subcategories (Fig. 2).</a:t>
+            </a:r>
+          </a:p>
+          <a:p>
+            <a:pPr marL="571500" indent="-571500">
+              <a:buFont typeface="Arial" panose="020B0604020202020204" pitchFamily="34" charset="0"/>
+              <a:buChar char="•"/>
+            </a:pPr>
+            <a:r>
+              <a:rPr lang="en-US" sz="4000" dirty="0"/>
+              <a:t>A total of </a:t>
+            </a:r>
             <a:r>
               <a:rPr lang="en-US" sz="4000" dirty="0">
                 <a:solidFill>
                   <a:srgbClr val="FF0000"/>
                 </a:solidFill>
               </a:rPr>
-              <a:t>Include summary of empirical analysis outcome a bullet point </a:t>
-            </a:r>
-          </a:p>
-          <a:p>
-            <a:endParaRPr lang="en-US" sz="4000" dirty="0"/>
-          </a:p>
-          <a:p>
-            <a:endParaRPr lang="en-US" sz="4000" dirty="0"/>
-          </a:p>
-          <a:p>
-            <a:endParaRPr lang="en-US" sz="4000" dirty="0"/>
-          </a:p>
-          <a:p>
+              <a:t>###</a:t>
+            </a:r>
             <a:r>
               <a:rPr lang="en-US" sz="4000" dirty="0"/>
-              <a:t>l</a:t>
+              <a:t> ASTs were generated for use in pattern prediction</a:t>
             </a:r>
           </a:p>
         </p:txBody>
@@ -4924,8 +5074,8 @@
         </p:nvSpPr>
         <p:spPr>
           <a:xfrm>
-            <a:off x="9683681" y="27321206"/>
-            <a:ext cx="17659110" cy="3785652"/>
+            <a:off x="9674173" y="27214973"/>
+            <a:ext cx="17659110" cy="5016758"/>
           </a:xfrm>
           <a:prstGeom prst="rect">
             <a:avLst/>
@@ -4938,24 +5088,43 @@
           </a:bodyPr>
           <a:lstStyle/>
           <a:p>
+            <a:pPr marL="571500" indent="-571500">
+              <a:buFont typeface="Arial" panose="020B0604020202020204" pitchFamily="34" charset="0"/>
+              <a:buChar char="•"/>
+            </a:pPr>
             <a:r>
               <a:rPr lang="en-US" sz="4000" dirty="0"/>
-              <a:t>Discuss summary of the work and include some future work directions that we want to develop statis analyzer for detecting these problems.</a:t>
-            </a:r>
-          </a:p>
-          <a:p>
-            <a:endParaRPr lang="en-US" sz="4000" dirty="0"/>
-          </a:p>
-          <a:p>
-            <a:endParaRPr lang="en-US" sz="4000" dirty="0"/>
-          </a:p>
-          <a:p>
-            <a:endParaRPr lang="en-US" sz="4000" dirty="0"/>
-          </a:p>
-          <a:p>
+              <a:t>Results suggest most CAN related issues fit into one of the 7 categories defined in Figure 2, indicating similar issues regardless of standardization.</a:t>
+            </a:r>
+          </a:p>
+          <a:p>
+            <a:pPr marL="571500" indent="-571500">
+              <a:buFont typeface="Arial" panose="020B0604020202020204" pitchFamily="34" charset="0"/>
+              <a:buChar char="•"/>
+            </a:pPr>
             <a:r>
               <a:rPr lang="en-US" sz="4000" dirty="0"/>
-              <a:t>l</a:t>
+              <a:t>Preliminary examination of selected ASTs show similar contextual patterns for bugs of the same category.</a:t>
+            </a:r>
+          </a:p>
+          <a:p>
+            <a:pPr marL="571500" indent="-571500">
+              <a:buFont typeface="Arial" panose="020B0604020202020204" pitchFamily="34" charset="0"/>
+              <a:buChar char="•"/>
+            </a:pPr>
+            <a:r>
+              <a:rPr lang="en-US" sz="4000" dirty="0"/>
+              <a:t>Contextual patterns indicate potential for static analysis tools to increase productivity and decrease development time.</a:t>
+            </a:r>
+          </a:p>
+          <a:p>
+            <a:pPr marL="571500" indent="-571500">
+              <a:buFont typeface="Arial" panose="020B0604020202020204" pitchFamily="34" charset="0"/>
+              <a:buChar char="•"/>
+            </a:pPr>
+            <a:r>
+              <a:rPr lang="en-US" sz="4000" dirty="0"/>
+              <a:t>Future work is required to explore the viability of utilizing contextual trends with static analysis tools for bugs relating to CAN.</a:t>
             </a:r>
           </a:p>
         </p:txBody>
@@ -4976,8 +5145,8 @@
         </p:nvSpPr>
         <p:spPr>
           <a:xfrm>
-            <a:off x="9845144" y="5989281"/>
-            <a:ext cx="17659110" cy="6288901"/>
+            <a:off x="9845144" y="5985324"/>
+            <a:ext cx="17659110" cy="8422819"/>
           </a:xfrm>
           <a:prstGeom prst="rect">
             <a:avLst/>
@@ -5001,17 +5170,22 @@
               <a:buAutoNum type="arabicPeriod"/>
             </a:pPr>
             <a:r>
-              <a:rPr lang="en-US" sz="3600" dirty="0"/>
-              <a:t>Open-source projects with the tag “can bus” were scraped from </a:t>
-            </a:r>
-            <a:r>
-              <a:rPr lang="en-US" sz="3600" dirty="0" err="1"/>
-              <a:t>Github</a:t>
-            </a:r>
-            <a:r>
-              <a:rPr lang="en-US" sz="3600" dirty="0"/>
-              <a:t> and Gitlab.</a:t>
-            </a:r>
+              <a:rPr lang="en-US" sz="4000" dirty="0"/>
+              <a:t>Open-source projects with the tag “can bus” were scraped from GitHub and GitLab.</a:t>
+            </a:r>
+          </a:p>
+          <a:p>
+            <a:pPr marL="228600" indent="-228600">
+              <a:spcBef>
+                <a:spcPts val="100"/>
+              </a:spcBef>
+              <a:spcAft>
+                <a:spcPts val="100"/>
+              </a:spcAft>
+              <a:buFont typeface="+mj-lt"/>
+              <a:buAutoNum type="arabicPeriod"/>
+            </a:pPr>
+            <a:endParaRPr lang="en-US" sz="200" dirty="0"/>
           </a:p>
           <a:p>
             <a:pPr marL="742950" indent="-742950">
@@ -5025,9 +5199,22 @@
               <a:buAutoNum type="arabicPeriod"/>
             </a:pPr>
             <a:r>
-              <a:rPr lang="en-US" sz="3600" dirty="0"/>
-              <a:t>Multi-level filtering was applied on the commits of collected repositories.  First with automatic filtering, searching for commits that (attempted to) fix bug(s).  Those results were then further filtered automatically to restrict to commits that contained CAN related fixes.</a:t>
-            </a:r>
+              <a:rPr lang="en-US" sz="4000" dirty="0"/>
+              <a:t>Multi-level filtering was applied on the commits of collected repositories.  First with automatic filtering, discarding anything not written in C or C++, then searching for commits that (attempted to) fix bug(s).  Those results were then further filtered automatically to restrict to commits that contained CAN related fixes.</a:t>
+            </a:r>
+          </a:p>
+          <a:p>
+            <a:pPr marL="228600" indent="-228600">
+              <a:spcBef>
+                <a:spcPts val="100"/>
+              </a:spcBef>
+              <a:spcAft>
+                <a:spcPts val="100"/>
+              </a:spcAft>
+              <a:buFont typeface="+mj-lt"/>
+              <a:buAutoNum type="arabicPeriod"/>
+            </a:pPr>
+            <a:endParaRPr lang="en-US" sz="200" dirty="0"/>
           </a:p>
           <a:p>
             <a:pPr marL="742950" indent="-742950">
@@ -5041,9 +5228,22 @@
               <a:buAutoNum type="arabicPeriod"/>
             </a:pPr>
             <a:r>
-              <a:rPr lang="en-US" sz="3600" dirty="0"/>
-              <a:t>A random sample was applied on the remaining repositories for manual verification.  The random sample was then categorized by the type of bug (Fig. 1)</a:t>
-            </a:r>
+              <a:rPr lang="en-US" sz="4000" dirty="0"/>
+              <a:t>A random sample was applied on the remaining repositories for manual verification.  The random sample was then categorized by the type of bug.</a:t>
+            </a:r>
+          </a:p>
+          <a:p>
+            <a:pPr marL="228600" indent="-228600">
+              <a:spcBef>
+                <a:spcPts val="100"/>
+              </a:spcBef>
+              <a:spcAft>
+                <a:spcPts val="100"/>
+              </a:spcAft>
+              <a:buFont typeface="+mj-lt"/>
+              <a:buAutoNum type="arabicPeriod"/>
+            </a:pPr>
+            <a:endParaRPr lang="en-US" sz="200" dirty="0"/>
           </a:p>
           <a:p>
             <a:pPr marL="742950" indent="-742950">
@@ -5057,13 +5257,22 @@
               <a:buAutoNum type="arabicPeriod"/>
             </a:pPr>
             <a:r>
-              <a:rPr lang="en-US" sz="3600" dirty="0">
-                <a:solidFill>
-                  <a:srgbClr val="FF0000"/>
-                </a:solidFill>
-              </a:rPr>
-              <a:t>An AST (Abstract Syntax Tree) was generated for the source code which the commits were working on to be used for common pattern prediction. (For SURE elaborate more on empirical part)</a:t>
-            </a:r>
+              <a:rPr lang="en-US" sz="4000" dirty="0"/>
+              <a:t>ASTs (Abstract Syntax Trees) were generated on the source code that the commits involved to be used for common pattern prediction.</a:t>
+            </a:r>
+          </a:p>
+          <a:p>
+            <a:pPr marL="228600" indent="-228600">
+              <a:spcBef>
+                <a:spcPts val="100"/>
+              </a:spcBef>
+              <a:spcAft>
+                <a:spcPts val="100"/>
+              </a:spcAft>
+              <a:buFont typeface="+mj-lt"/>
+              <a:buAutoNum type="arabicPeriod"/>
+            </a:pPr>
+            <a:endParaRPr lang="en-US" sz="200" dirty="0"/>
           </a:p>
           <a:p>
             <a:pPr marL="742950" indent="-742950">
@@ -5076,7 +5285,10 @@
               <a:buFont typeface="+mj-lt"/>
               <a:buAutoNum type="arabicPeriod"/>
             </a:pPr>
-            <a:endParaRPr lang="en-US" sz="3600" dirty="0"/>
+            <a:r>
+              <a:rPr lang="en-US" sz="4000" dirty="0"/>
+              <a:t>The ASTs were examined to look for contextual elements that could be used to map parts of code to different patterns</a:t>
+            </a:r>
           </a:p>
         </p:txBody>
       </p:sp>
@@ -5094,11 +5306,13 @@
         </p:nvSpPr>
         <p:spPr>
           <a:xfrm>
-            <a:off x="9494583" y="15492865"/>
-            <a:ext cx="18282638" cy="1328023"/>
+            <a:off x="9543117" y="14537556"/>
+            <a:ext cx="18248928" cy="3404622"/>
           </a:xfrm>
           <a:prstGeom prst="roundRect">
-            <a:avLst/>
+            <a:avLst>
+              <a:gd name="adj" fmla="val 7673"/>
+            </a:avLst>
           </a:prstGeom>
           <a:solidFill>
             <a:srgbClr val="FFCB05"/>
@@ -5126,36 +5340,112 @@
           <a:p>
             <a:endParaRPr lang="en-US" dirty="0"/>
           </a:p>
-        </p:txBody>
-      </p:sp>
-      <p:sp>
-        <p:nvSpPr>
-          <p:cNvPr id="33" name="Flowchart: Connector 32">
+          <a:p>
+            <a:endParaRPr lang="en-US" dirty="0"/>
+          </a:p>
+          <a:p>
+            <a:endParaRPr lang="en-US" dirty="0"/>
+          </a:p>
+          <a:p>
+            <a:endParaRPr lang="en-US" dirty="0"/>
+          </a:p>
+          <a:p>
+            <a:endParaRPr lang="en-US" dirty="0"/>
+          </a:p>
+          <a:p>
+            <a:endParaRPr lang="en-US" dirty="0"/>
+          </a:p>
+          <a:p>
+            <a:endParaRPr lang="en-US" sz="1000" dirty="0"/>
+          </a:p>
+          <a:p>
+            <a:endParaRPr lang="en-US" sz="1000" dirty="0"/>
+          </a:p>
+          <a:p>
+            <a:endParaRPr lang="en-US" sz="800" dirty="0"/>
+          </a:p>
+          <a:p>
+            <a:endParaRPr lang="en-US" sz="300" dirty="0"/>
+          </a:p>
+          <a:p>
+            <a:endParaRPr lang="en-US" sz="300" dirty="0"/>
+          </a:p>
+          <a:p>
+            <a:endParaRPr lang="en-US" sz="300" dirty="0"/>
+          </a:p>
+          <a:p>
+            <a:endParaRPr lang="en-US" sz="800" dirty="0"/>
+          </a:p>
+        </p:txBody>
+      </p:sp>
+      <p:sp>
+        <p:nvSpPr>
+          <p:cNvPr id="34" name="TextBox 33">
             <a:extLst>
               <a:ext uri="{FF2B5EF4-FFF2-40B4-BE49-F238E27FC236}">
-                <a16:creationId xmlns:a16="http://schemas.microsoft.com/office/drawing/2014/main" id="{37E9C206-584E-A993-9441-B321C22F1CD9}"/>
+                <a16:creationId xmlns:a16="http://schemas.microsoft.com/office/drawing/2014/main" id="{D684A1D2-AFD2-6779-B43D-E687CCD2FA3B}"/>
               </a:ext>
             </a:extLst>
           </p:cNvPr>
-          <p:cNvSpPr>
-            <a:spLocks noChangeAspect="1"/>
-          </p:cNvSpPr>
+          <p:cNvSpPr txBox="1"/>
           <p:nvPr/>
         </p:nvSpPr>
         <p:spPr>
           <a:xfrm>
-            <a:off x="16783106" y="14359667"/>
-            <a:ext cx="3749040" cy="3749040"/>
+            <a:off x="9660309" y="14996907"/>
+            <a:ext cx="6757939" cy="2308324"/>
+          </a:xfrm>
+          <a:prstGeom prst="rect">
+            <a:avLst/>
+          </a:prstGeom>
+          <a:noFill/>
+        </p:spPr>
+        <p:txBody>
+          <a:bodyPr wrap="square" rtlCol="0">
+            <a:spAutoFit/>
+          </a:bodyPr>
+          <a:lstStyle/>
+          <a:p>
+            <a:pPr algn="ctr"/>
+            <a:r>
+              <a:rPr lang="en-US" sz="7200" b="1" dirty="0">
+                <a:solidFill>
+                  <a:srgbClr val="00274C"/>
+                </a:solidFill>
+              </a:rPr>
+              <a:t>SCAN HERE TO LEARN MORE </a:t>
+            </a:r>
+          </a:p>
+        </p:txBody>
+      </p:sp>
+      <p:sp>
+        <p:nvSpPr>
+          <p:cNvPr id="38" name="Flowchart: Connector 37">
+            <a:extLst>
+              <a:ext uri="{FF2B5EF4-FFF2-40B4-BE49-F238E27FC236}">
+                <a16:creationId xmlns:a16="http://schemas.microsoft.com/office/drawing/2014/main" id="{54FC1385-CB8F-D00C-85B8-39F6A96DCC0C}"/>
+              </a:ext>
+            </a:extLst>
+          </p:cNvPr>
+          <p:cNvSpPr>
+            <a:spLocks noChangeAspect="1"/>
+          </p:cNvSpPr>
+          <p:nvPr/>
+        </p:nvSpPr>
+        <p:spPr>
+          <a:xfrm>
+            <a:off x="16606479" y="14590717"/>
+            <a:ext cx="3305810" cy="3305810"/>
           </a:xfrm>
           <a:prstGeom prst="flowChartConnector">
             <a:avLst/>
           </a:prstGeom>
           <a:solidFill>
-            <a:srgbClr val="FFCB05"/>
+            <a:schemeClr val="bg1"/>
           </a:solidFill>
-          <a:ln>
+          <a:ln w="76200">
             <a:solidFill>
-              <a:srgbClr val="FFCB05"/>
+              <a:srgbClr val="00274C"/>
             </a:solidFill>
           </a:ln>
         </p:spPr>
@@ -5180,141 +5470,7 @@
           <a:lstStyle/>
           <a:p>
             <a:pPr algn="ctr"/>
-            <a:endParaRPr lang="en-US"/>
-          </a:p>
-        </p:txBody>
-      </p:sp>
-      <p:sp>
-        <p:nvSpPr>
-          <p:cNvPr id="34" name="TextBox 33">
-            <a:extLst>
-              <a:ext uri="{FF2B5EF4-FFF2-40B4-BE49-F238E27FC236}">
-                <a16:creationId xmlns:a16="http://schemas.microsoft.com/office/drawing/2014/main" id="{D684A1D2-AFD2-6779-B43D-E687CCD2FA3B}"/>
-              </a:ext>
-            </a:extLst>
-          </p:cNvPr>
-          <p:cNvSpPr txBox="1"/>
-          <p:nvPr/>
-        </p:nvSpPr>
-        <p:spPr>
-          <a:xfrm>
-            <a:off x="9298929" y="15819274"/>
-            <a:ext cx="7903869" cy="738664"/>
-          </a:xfrm>
-          <a:prstGeom prst="rect">
-            <a:avLst/>
-          </a:prstGeom>
-          <a:noFill/>
-        </p:spPr>
-        <p:txBody>
-          <a:bodyPr wrap="square" rtlCol="0">
-            <a:spAutoFit/>
-          </a:bodyPr>
-          <a:lstStyle/>
-          <a:p>
-            <a:pPr algn="ctr"/>
-            <a:r>
-              <a:rPr lang="en-US" sz="4200" b="1" dirty="0">
-                <a:solidFill>
-                  <a:srgbClr val="00274C"/>
-                </a:solidFill>
-              </a:rPr>
-              <a:t>SCAN HERE TO LEARN MORE</a:t>
-            </a:r>
-          </a:p>
-        </p:txBody>
-      </p:sp>
-      <p:sp>
-        <p:nvSpPr>
-          <p:cNvPr id="35" name="TextBox 34">
-            <a:extLst>
-              <a:ext uri="{FF2B5EF4-FFF2-40B4-BE49-F238E27FC236}">
-                <a16:creationId xmlns:a16="http://schemas.microsoft.com/office/drawing/2014/main" id="{251C9551-4621-20E5-664C-07BC35651682}"/>
-              </a:ext>
-            </a:extLst>
-          </p:cNvPr>
-          <p:cNvSpPr txBox="1"/>
-          <p:nvPr/>
-        </p:nvSpPr>
-        <p:spPr>
-          <a:xfrm>
-            <a:off x="20116940" y="15787544"/>
-            <a:ext cx="7903869" cy="738664"/>
-          </a:xfrm>
-          <a:prstGeom prst="rect">
-            <a:avLst/>
-          </a:prstGeom>
-          <a:noFill/>
-        </p:spPr>
-        <p:txBody>
-          <a:bodyPr wrap="square" rtlCol="0">
-            <a:spAutoFit/>
-          </a:bodyPr>
-          <a:lstStyle/>
-          <a:p>
-            <a:pPr algn="ctr"/>
-            <a:r>
-              <a:rPr lang="en-US" sz="4200" b="1" dirty="0">
-                <a:solidFill>
-                  <a:srgbClr val="00274C"/>
-                </a:solidFill>
-              </a:rPr>
-              <a:t>SCAN HERE TO LEARN MORE</a:t>
-            </a:r>
-          </a:p>
-        </p:txBody>
-      </p:sp>
-      <p:sp>
-        <p:nvSpPr>
-          <p:cNvPr id="38" name="Flowchart: Connector 37">
-            <a:extLst>
-              <a:ext uri="{FF2B5EF4-FFF2-40B4-BE49-F238E27FC236}">
-                <a16:creationId xmlns:a16="http://schemas.microsoft.com/office/drawing/2014/main" id="{54FC1385-CB8F-D00C-85B8-39F6A96DCC0C}"/>
-              </a:ext>
-            </a:extLst>
-          </p:cNvPr>
-          <p:cNvSpPr/>
-          <p:nvPr/>
-        </p:nvSpPr>
-        <p:spPr>
-          <a:xfrm>
-            <a:off x="17011706" y="14588267"/>
-            <a:ext cx="3291840" cy="3291840"/>
-          </a:xfrm>
-          <a:prstGeom prst="flowChartConnector">
-            <a:avLst/>
-          </a:prstGeom>
-          <a:solidFill>
-            <a:schemeClr val="bg1"/>
-          </a:solidFill>
-          <a:ln>
-            <a:solidFill>
-              <a:schemeClr val="bg1"/>
-            </a:solidFill>
-          </a:ln>
-        </p:spPr>
-        <p:style>
-          <a:lnRef idx="2">
-            <a:schemeClr val="accent1">
-              <a:shade val="15000"/>
-            </a:schemeClr>
-          </a:lnRef>
-          <a:fillRef idx="1">
-            <a:schemeClr val="accent1"/>
-          </a:fillRef>
-          <a:effectRef idx="0">
-            <a:schemeClr val="accent1"/>
-          </a:effectRef>
-          <a:fontRef idx="minor">
-            <a:schemeClr val="lt1"/>
-          </a:fontRef>
-        </p:style>
-        <p:txBody>
-          <a:bodyPr rtlCol="0" anchor="ctr"/>
-          <a:lstStyle/>
-          <a:p>
-            <a:pPr algn="ctr"/>
-            <a:endParaRPr lang="en-US"/>
+            <a:endParaRPr lang="en-US" dirty="0"/>
           </a:p>
         </p:txBody>
       </p:sp>
@@ -5340,15 +5496,15 @@
               </a:ext>
             </a:extLst>
           </a:blip>
-          <a:srcRect l="9074" t="9688" r="9788" b="9692"/>
+          <a:srcRect l="12055" t="11608" r="12060" b="13079"/>
           <a:stretch>
             <a:fillRect/>
           </a:stretch>
         </p:blipFill>
         <p:spPr>
           <a:xfrm>
-            <a:off x="17522951" y="15082339"/>
-            <a:ext cx="2318527" cy="2303695"/>
+            <a:off x="17191150" y="15189282"/>
+            <a:ext cx="2136468" cy="2134031"/>
           </a:xfrm>
           <a:prstGeom prst="rect">
             <a:avLst/>
@@ -5377,7 +5533,7 @@
         </p:blipFill>
         <p:spPr>
           <a:xfrm>
-            <a:off x="28957004" y="17398763"/>
+            <a:off x="28773758" y="20012179"/>
             <a:ext cx="14066588" cy="6361773"/>
           </a:xfrm>
           <a:prstGeom prst="rect">
@@ -5404,8 +5560,8 @@
         </p:nvSpPr>
         <p:spPr>
           <a:xfrm>
-            <a:off x="30513971" y="23915054"/>
-            <a:ext cx="14066588" cy="523220"/>
+            <a:off x="28937306" y="26548622"/>
+            <a:ext cx="14066588" cy="646331"/>
           </a:xfrm>
           <a:prstGeom prst="rect">
             <a:avLst/>
@@ -5418,19 +5574,96 @@
           </a:bodyPr>
           <a:lstStyle/>
           <a:p>
-            <a:r>
-              <a:rPr lang="en-US" sz="2800" dirty="0"/>
+            <a:pPr algn="ctr"/>
+            <a:r>
+              <a:rPr lang="en-US" sz="3600" dirty="0"/>
               <a:t>Figure 2: Taxonomy of bug categories with bug count per category</a:t>
+            </a:r>
+          </a:p>
+        </p:txBody>
+      </p:sp>
+      <p:sp>
+        <p:nvSpPr>
+          <p:cNvPr id="32" name="TextBox 31">
+            <a:extLst>
+              <a:ext uri="{FF2B5EF4-FFF2-40B4-BE49-F238E27FC236}">
+                <a16:creationId xmlns:a16="http://schemas.microsoft.com/office/drawing/2014/main" id="{A4599B92-563E-5442-4888-AF8B30AF7CE0}"/>
+              </a:ext>
+            </a:extLst>
+          </p:cNvPr>
+          <p:cNvSpPr txBox="1"/>
+          <p:nvPr/>
+        </p:nvSpPr>
+        <p:spPr>
+          <a:xfrm>
+            <a:off x="28937306" y="18882000"/>
+            <a:ext cx="13578772" cy="646331"/>
+          </a:xfrm>
+          <a:prstGeom prst="rect">
+            <a:avLst/>
+          </a:prstGeom>
+          <a:noFill/>
+        </p:spPr>
+        <p:txBody>
+          <a:bodyPr wrap="square" rtlCol="0">
+            <a:spAutoFit/>
+          </a:bodyPr>
+          <a:lstStyle/>
+          <a:p>
+            <a:pPr algn="ctr"/>
+            <a:r>
+              <a:rPr lang="en-US" sz="3600" dirty="0"/>
+              <a:t>Figure 1: Approach Overview for Pattern Extraction</a:t>
+            </a:r>
+          </a:p>
+        </p:txBody>
+      </p:sp>
+      <p:sp>
+        <p:nvSpPr>
+          <p:cNvPr id="40" name="TextBox 39">
+            <a:extLst>
+              <a:ext uri="{FF2B5EF4-FFF2-40B4-BE49-F238E27FC236}">
+                <a16:creationId xmlns:a16="http://schemas.microsoft.com/office/drawing/2014/main" id="{3938A493-5C0F-823A-F02C-EE11231BE9C1}"/>
+              </a:ext>
+            </a:extLst>
+          </p:cNvPr>
+          <p:cNvSpPr txBox="1"/>
+          <p:nvPr/>
+        </p:nvSpPr>
+        <p:spPr>
+          <a:xfrm>
+            <a:off x="20093707" y="14873796"/>
+            <a:ext cx="7516920" cy="2554545"/>
+          </a:xfrm>
+          <a:prstGeom prst="rect">
+            <a:avLst/>
+          </a:prstGeom>
+          <a:noFill/>
+        </p:spPr>
+        <p:txBody>
+          <a:bodyPr wrap="square" rtlCol="0">
+            <a:spAutoFit/>
+          </a:bodyPr>
+          <a:lstStyle/>
+          <a:p>
+            <a:pPr algn="ctr"/>
+            <a:r>
+              <a:rPr lang="en-US" sz="8000" b="1" dirty="0">
+                <a:solidFill>
+                  <a:srgbClr val="00274C"/>
+                </a:solidFill>
+              </a:rPr>
+              <a:t>SCAN HERE TO LEARN MORE </a:t>
             </a:r>
           </a:p>
         </p:txBody>
       </p:sp>
       <p:pic>
         <p:nvPicPr>
-          <p:cNvPr id="4" name="Picture 3">
+          <p:cNvPr id="54" name="Picture 53">
             <a:extLst>
               <a:ext uri="{FF2B5EF4-FFF2-40B4-BE49-F238E27FC236}">
-                <a16:creationId xmlns:a16="http://schemas.microsoft.com/office/drawing/2014/main" id="{EC46A3E4-9D5F-248B-C6CD-0F1E607A7F95}"/>
+                <a16:creationId xmlns:a16="http://schemas.microsoft.com/office/drawing/2014/main" id="{A24C282F-4E66-ACE3-483D-F133C5495F75}"/>
               </a:ext>
             </a:extLst>
           </p:cNvPr>
@@ -5447,53 +5680,19 @@
         </p:blipFill>
         <p:spPr>
           <a:xfrm>
-            <a:off x="31432680" y="6503970"/>
-            <a:ext cx="8351520" cy="7855697"/>
+            <a:off x="28729151" y="6189483"/>
+            <a:ext cx="14132526" cy="12652298"/>
           </a:xfrm>
           <a:prstGeom prst="rect">
             <a:avLst/>
           </a:prstGeom>
+          <a:ln>
+            <a:solidFill>
+              <a:schemeClr val="tx1"/>
+            </a:solidFill>
+          </a:ln>
         </p:spPr>
       </p:pic>
-      <p:sp>
-        <p:nvSpPr>
-          <p:cNvPr id="32" name="TextBox 31">
-            <a:extLst>
-              <a:ext uri="{FF2B5EF4-FFF2-40B4-BE49-F238E27FC236}">
-                <a16:creationId xmlns:a16="http://schemas.microsoft.com/office/drawing/2014/main" id="{A4599B92-563E-5442-4888-AF8B30AF7CE0}"/>
-              </a:ext>
-            </a:extLst>
-          </p:cNvPr>
-          <p:cNvSpPr txBox="1"/>
-          <p:nvPr/>
-        </p:nvSpPr>
-        <p:spPr>
-          <a:xfrm>
-            <a:off x="33798711" y="14766248"/>
-            <a:ext cx="6924746" cy="1384995"/>
-          </a:xfrm>
-          <a:prstGeom prst="rect">
-            <a:avLst/>
-          </a:prstGeom>
-          <a:noFill/>
-        </p:spPr>
-        <p:txBody>
-          <a:bodyPr wrap="square" rtlCol="0">
-            <a:spAutoFit/>
-          </a:bodyPr>
-          <a:lstStyle/>
-          <a:p>
-            <a:r>
-              <a:rPr lang="en-US" sz="2800" dirty="0">
-                <a:solidFill>
-                  <a:srgbClr val="FF0000"/>
-                </a:solidFill>
-              </a:rPr>
-              <a:t>Figure 1: Approach Overview (This one is sample, you have to update for your projects)</a:t>
-            </a:r>
-          </a:p>
-        </p:txBody>
-      </p:sp>
     </p:spTree>
     <p:extLst>
       <p:ext uri="{BB962C8B-B14F-4D97-AF65-F5344CB8AC3E}">

--- a/Report/SURE_Poster.pptx
+++ b/Report/SURE_Poster.pptx
@@ -243,7 +243,7 @@
           <a:p>
             <a:fld id="{4AAD5197-33D8-404B-BB46-46338D5CAA86}" type="datetimeFigureOut">
               <a:rPr lang="en-US" smtClean="0"/>
-              <a:t>8/8/2025</a:t>
+              <a:t>8/10/2025</a:t>
             </a:fld>
             <a:endParaRPr lang="en-US"/>
           </a:p>
@@ -413,7 +413,7 @@
           <a:p>
             <a:fld id="{4AAD5197-33D8-404B-BB46-46338D5CAA86}" type="datetimeFigureOut">
               <a:rPr lang="en-US" smtClean="0"/>
-              <a:t>8/8/2025</a:t>
+              <a:t>8/10/2025</a:t>
             </a:fld>
             <a:endParaRPr lang="en-US"/>
           </a:p>
@@ -593,7 +593,7 @@
           <a:p>
             <a:fld id="{4AAD5197-33D8-404B-BB46-46338D5CAA86}" type="datetimeFigureOut">
               <a:rPr lang="en-US" smtClean="0"/>
-              <a:t>8/8/2025</a:t>
+              <a:t>8/10/2025</a:t>
             </a:fld>
             <a:endParaRPr lang="en-US"/>
           </a:p>
@@ -763,7 +763,7 @@
           <a:p>
             <a:fld id="{4AAD5197-33D8-404B-BB46-46338D5CAA86}" type="datetimeFigureOut">
               <a:rPr lang="en-US" smtClean="0"/>
-              <a:t>8/8/2025</a:t>
+              <a:t>8/10/2025</a:t>
             </a:fld>
             <a:endParaRPr lang="en-US"/>
           </a:p>
@@ -1009,7 +1009,7 @@
           <a:p>
             <a:fld id="{4AAD5197-33D8-404B-BB46-46338D5CAA86}" type="datetimeFigureOut">
               <a:rPr lang="en-US" smtClean="0"/>
-              <a:t>8/8/2025</a:t>
+              <a:t>8/10/2025</a:t>
             </a:fld>
             <a:endParaRPr lang="en-US"/>
           </a:p>
@@ -1241,7 +1241,7 @@
           <a:p>
             <a:fld id="{4AAD5197-33D8-404B-BB46-46338D5CAA86}" type="datetimeFigureOut">
               <a:rPr lang="en-US" smtClean="0"/>
-              <a:t>8/8/2025</a:t>
+              <a:t>8/10/2025</a:t>
             </a:fld>
             <a:endParaRPr lang="en-US"/>
           </a:p>
@@ -1608,7 +1608,7 @@
           <a:p>
             <a:fld id="{4AAD5197-33D8-404B-BB46-46338D5CAA86}" type="datetimeFigureOut">
               <a:rPr lang="en-US" smtClean="0"/>
-              <a:t>8/8/2025</a:t>
+              <a:t>8/10/2025</a:t>
             </a:fld>
             <a:endParaRPr lang="en-US"/>
           </a:p>
@@ -1726,7 +1726,7 @@
           <a:p>
             <a:fld id="{4AAD5197-33D8-404B-BB46-46338D5CAA86}" type="datetimeFigureOut">
               <a:rPr lang="en-US" smtClean="0"/>
-              <a:t>8/8/2025</a:t>
+              <a:t>8/10/2025</a:t>
             </a:fld>
             <a:endParaRPr lang="en-US"/>
           </a:p>
@@ -1821,7 +1821,7 @@
           <a:p>
             <a:fld id="{4AAD5197-33D8-404B-BB46-46338D5CAA86}" type="datetimeFigureOut">
               <a:rPr lang="en-US" smtClean="0"/>
-              <a:t>8/8/2025</a:t>
+              <a:t>8/10/2025</a:t>
             </a:fld>
             <a:endParaRPr lang="en-US"/>
           </a:p>
@@ -2098,7 +2098,7 @@
           <a:p>
             <a:fld id="{4AAD5197-33D8-404B-BB46-46338D5CAA86}" type="datetimeFigureOut">
               <a:rPr lang="en-US" smtClean="0"/>
-              <a:t>8/8/2025</a:t>
+              <a:t>8/10/2025</a:t>
             </a:fld>
             <a:endParaRPr lang="en-US"/>
           </a:p>
@@ -2355,7 +2355,7 @@
           <a:p>
             <a:fld id="{4AAD5197-33D8-404B-BB46-46338D5CAA86}" type="datetimeFigureOut">
               <a:rPr lang="en-US" smtClean="0"/>
-              <a:t>8/8/2025</a:t>
+              <a:t>8/10/2025</a:t>
             </a:fld>
             <a:endParaRPr lang="en-US"/>
           </a:p>
@@ -2568,7 +2568,7 @@
           <a:p>
             <a:fld id="{4AAD5197-33D8-404B-BB46-46338D5CAA86}" type="datetimeFigureOut">
               <a:rPr lang="en-US" smtClean="0"/>
-              <a:t>8/8/2025</a:t>
+              <a:t>8/10/2025</a:t>
             </a:fld>
             <a:endParaRPr lang="en-US"/>
           </a:p>
@@ -5041,19 +5041,7 @@
             </a:pPr>
             <a:r>
               <a:rPr lang="en-US" sz="4000" dirty="0"/>
-              <a:t>A total of </a:t>
-            </a:r>
-            <a:r>
-              <a:rPr lang="en-US" sz="4000" dirty="0">
-                <a:solidFill>
-                  <a:srgbClr val="FF0000"/>
-                </a:solidFill>
-              </a:rPr>
-              <a:t>###</a:t>
-            </a:r>
-            <a:r>
-              <a:rPr lang="en-US" sz="4000" dirty="0"/>
-              <a:t> ASTs were generated for use in pattern prediction</a:t>
+              <a:t>A total of 153 ASTs were generated for use in pattern prediction</a:t>
             </a:r>
           </a:p>
         </p:txBody>

--- a/Report/SURE_Poster.pptx
+++ b/Report/SURE_Poster.pptx
@@ -5041,7 +5041,15 @@
             </a:pPr>
             <a:r>
               <a:rPr lang="en-US" sz="4000" dirty="0"/>
-              <a:t>A total of 153 ASTs were generated for use in pattern prediction</a:t>
+              <a:t>A total </a:t>
+            </a:r>
+            <a:r>
+              <a:rPr lang="en-US" sz="4000"/>
+              <a:t>of 122 </a:t>
+            </a:r>
+            <a:r>
+              <a:rPr lang="en-US" sz="4000" dirty="0"/>
+              <a:t>ASTs were generated for use in pattern prediction</a:t>
             </a:r>
           </a:p>
         </p:txBody>

--- a/Report/SURE_Poster.pptx
+++ b/Report/SURE_Poster.pptx
@@ -243,7 +243,7 @@
           <a:p>
             <a:fld id="{4AAD5197-33D8-404B-BB46-46338D5CAA86}" type="datetimeFigureOut">
               <a:rPr lang="en-US" smtClean="0"/>
-              <a:t>8/10/2025</a:t>
+              <a:t>8/11/2025</a:t>
             </a:fld>
             <a:endParaRPr lang="en-US"/>
           </a:p>
@@ -413,7 +413,7 @@
           <a:p>
             <a:fld id="{4AAD5197-33D8-404B-BB46-46338D5CAA86}" type="datetimeFigureOut">
               <a:rPr lang="en-US" smtClean="0"/>
-              <a:t>8/10/2025</a:t>
+              <a:t>8/11/2025</a:t>
             </a:fld>
             <a:endParaRPr lang="en-US"/>
           </a:p>
@@ -593,7 +593,7 @@
           <a:p>
             <a:fld id="{4AAD5197-33D8-404B-BB46-46338D5CAA86}" type="datetimeFigureOut">
               <a:rPr lang="en-US" smtClean="0"/>
-              <a:t>8/10/2025</a:t>
+              <a:t>8/11/2025</a:t>
             </a:fld>
             <a:endParaRPr lang="en-US"/>
           </a:p>
@@ -763,7 +763,7 @@
           <a:p>
             <a:fld id="{4AAD5197-33D8-404B-BB46-46338D5CAA86}" type="datetimeFigureOut">
               <a:rPr lang="en-US" smtClean="0"/>
-              <a:t>8/10/2025</a:t>
+              <a:t>8/11/2025</a:t>
             </a:fld>
             <a:endParaRPr lang="en-US"/>
           </a:p>
@@ -1009,7 +1009,7 @@
           <a:p>
             <a:fld id="{4AAD5197-33D8-404B-BB46-46338D5CAA86}" type="datetimeFigureOut">
               <a:rPr lang="en-US" smtClean="0"/>
-              <a:t>8/10/2025</a:t>
+              <a:t>8/11/2025</a:t>
             </a:fld>
             <a:endParaRPr lang="en-US"/>
           </a:p>
@@ -1241,7 +1241,7 @@
           <a:p>
             <a:fld id="{4AAD5197-33D8-404B-BB46-46338D5CAA86}" type="datetimeFigureOut">
               <a:rPr lang="en-US" smtClean="0"/>
-              <a:t>8/10/2025</a:t>
+              <a:t>8/11/2025</a:t>
             </a:fld>
             <a:endParaRPr lang="en-US"/>
           </a:p>
@@ -1608,7 +1608,7 @@
           <a:p>
             <a:fld id="{4AAD5197-33D8-404B-BB46-46338D5CAA86}" type="datetimeFigureOut">
               <a:rPr lang="en-US" smtClean="0"/>
-              <a:t>8/10/2025</a:t>
+              <a:t>8/11/2025</a:t>
             </a:fld>
             <a:endParaRPr lang="en-US"/>
           </a:p>
@@ -1726,7 +1726,7 @@
           <a:p>
             <a:fld id="{4AAD5197-33D8-404B-BB46-46338D5CAA86}" type="datetimeFigureOut">
               <a:rPr lang="en-US" smtClean="0"/>
-              <a:t>8/10/2025</a:t>
+              <a:t>8/11/2025</a:t>
             </a:fld>
             <a:endParaRPr lang="en-US"/>
           </a:p>
@@ -1821,7 +1821,7 @@
           <a:p>
             <a:fld id="{4AAD5197-33D8-404B-BB46-46338D5CAA86}" type="datetimeFigureOut">
               <a:rPr lang="en-US" smtClean="0"/>
-              <a:t>8/10/2025</a:t>
+              <a:t>8/11/2025</a:t>
             </a:fld>
             <a:endParaRPr lang="en-US"/>
           </a:p>
@@ -2098,7 +2098,7 @@
           <a:p>
             <a:fld id="{4AAD5197-33D8-404B-BB46-46338D5CAA86}" type="datetimeFigureOut">
               <a:rPr lang="en-US" smtClean="0"/>
-              <a:t>8/10/2025</a:t>
+              <a:t>8/11/2025</a:t>
             </a:fld>
             <a:endParaRPr lang="en-US"/>
           </a:p>
@@ -2355,7 +2355,7 @@
           <a:p>
             <a:fld id="{4AAD5197-33D8-404B-BB46-46338D5CAA86}" type="datetimeFigureOut">
               <a:rPr lang="en-US" smtClean="0"/>
-              <a:t>8/10/2025</a:t>
+              <a:t>8/11/2025</a:t>
             </a:fld>
             <a:endParaRPr lang="en-US"/>
           </a:p>
@@ -2568,7 +2568,7 @@
           <a:p>
             <a:fld id="{4AAD5197-33D8-404B-BB46-46338D5CAA86}" type="datetimeFigureOut">
               <a:rPr lang="en-US" smtClean="0"/>
-              <a:t>8/10/2025</a:t>
+              <a:t>8/11/2025</a:t>
             </a:fld>
             <a:endParaRPr lang="en-US"/>
           </a:p>
@@ -2988,7 +2988,7 @@
         <p:spPr>
           <a:xfrm>
             <a:off x="696685" y="4764664"/>
-            <a:ext cx="8289348" cy="14077117"/>
+            <a:ext cx="8289348" cy="15419606"/>
           </a:xfrm>
           <a:prstGeom prst="roundRect">
             <a:avLst>
@@ -3156,6 +3156,30 @@
           </a:p>
           <a:p>
             <a:endParaRPr lang="en-US" dirty="0"/>
+          </a:p>
+          <a:p>
+            <a:endParaRPr lang="en-US" dirty="0"/>
+          </a:p>
+          <a:p>
+            <a:endParaRPr lang="en-US" dirty="0"/>
+          </a:p>
+          <a:p>
+            <a:endParaRPr lang="en-US" sz="1000" dirty="0"/>
+          </a:p>
+          <a:p>
+            <a:endParaRPr lang="en-US" sz="1000" dirty="0"/>
+          </a:p>
+          <a:p>
+            <a:endParaRPr lang="en-US" sz="1000" dirty="0"/>
+          </a:p>
+          <a:p>
+            <a:endParaRPr lang="en-US" sz="1000" dirty="0"/>
+          </a:p>
+          <a:p>
+            <a:endParaRPr lang="en-US" sz="1000" dirty="0"/>
+          </a:p>
+          <a:p>
+            <a:endParaRPr lang="en-US" sz="1000" dirty="0"/>
           </a:p>
         </p:txBody>
       </p:sp>
@@ -3235,7 +3259,7 @@
         </p:blipFill>
         <p:spPr bwMode="auto">
           <a:xfrm>
-            <a:off x="38154119" y="-337226"/>
+            <a:off x="38278810" y="-90623"/>
             <a:ext cx="6081033" cy="5101890"/>
           </a:xfrm>
           <a:prstGeom prst="rect">
@@ -3416,7 +3440,7 @@
         <p:spPr>
           <a:xfrm>
             <a:off x="914229" y="5992928"/>
-            <a:ext cx="7876150" cy="12765033"/>
+            <a:ext cx="7876150" cy="14380860"/>
           </a:xfrm>
           <a:prstGeom prst="rect">
             <a:avLst/>
@@ -3434,49 +3458,24 @@
               <a:buChar char="•"/>
             </a:pPr>
             <a:r>
-              <a:rPr lang="en-US" sz="3600" dirty="0"/>
+              <a:rPr lang="en-US" sz="3900" dirty="0"/>
               <a:t>CAN (Controller Area Network) protocol is the dominant intra-vehicle communications protocol in automotive applications</a:t>
             </a:r>
             <a:r>
-              <a:rPr lang="en-US" sz="3600" baseline="30000" dirty="0"/>
+              <a:rPr lang="en-US" sz="3900" baseline="30000" dirty="0"/>
               <a:t>1</a:t>
             </a:r>
             <a:r>
-              <a:rPr lang="en-US" sz="3600" dirty="0"/>
+              <a:rPr lang="en-US" sz="3900" dirty="0"/>
               <a:t>. </a:t>
             </a:r>
-          </a:p>
-          <a:p>
-            <a:endParaRPr lang="en-US" sz="1050" dirty="0"/>
           </a:p>
           <a:p>
             <a:pPr marL="571500" indent="-571500">
               <a:buFont typeface="Arial" panose="020B0604020202020204" pitchFamily="34" charset="0"/>
               <a:buChar char="•"/>
             </a:pPr>
-            <a:r>
-              <a:rPr lang="en-US" sz="3600" dirty="0"/>
-              <a:t>While the protocol itself is standardized by bodies like ISO</a:t>
-            </a:r>
-            <a:r>
-              <a:rPr lang="en-US" sz="3600" baseline="30000" dirty="0"/>
-              <a:t>2</a:t>
-            </a:r>
-            <a:r>
-              <a:rPr lang="en-US" sz="3600" dirty="0"/>
-              <a:t> (International Standards Organization) and SAE</a:t>
-            </a:r>
-            <a:r>
-              <a:rPr lang="en-US" sz="3600" baseline="30000" dirty="0"/>
-              <a:t>3</a:t>
-            </a:r>
-            <a:r>
-              <a:rPr lang="en-US" sz="3600" dirty="0"/>
-              <a:t> (Society of Automotive Engineers), development tools vary wildly.</a:t>
-            </a:r>
-          </a:p>
-          <a:p>
-            <a:endParaRPr lang="en-US" sz="1050" dirty="0"/>
+            <a:endParaRPr lang="en-US" sz="800" dirty="0"/>
           </a:p>
           <a:p>
             <a:pPr marL="571500" indent="-571500">
@@ -3484,8 +3483,24 @@
               <a:buChar char="•"/>
             </a:pPr>
             <a:r>
-              <a:rPr lang="en-US" sz="3600" dirty="0"/>
-              <a:t>Lack of standard development tools can lead to confusion when working with different software vendor APIs (Application Protocol Interfaces) or ECU (Electronic Control Unit) Suppliers </a:t>
+              <a:rPr lang="en-US" sz="3900" dirty="0"/>
+              <a:t>While the protocol itself is standardized by bodies like ISO</a:t>
+            </a:r>
+            <a:r>
+              <a:rPr lang="en-US" sz="3900" baseline="30000" dirty="0"/>
+              <a:t>2</a:t>
+            </a:r>
+            <a:r>
+              <a:rPr lang="en-US" sz="3900" dirty="0"/>
+              <a:t> (International Standards Organization) and SAE</a:t>
+            </a:r>
+            <a:r>
+              <a:rPr lang="en-US" sz="3900" baseline="30000" dirty="0"/>
+              <a:t>3</a:t>
+            </a:r>
+            <a:r>
+              <a:rPr lang="en-US" sz="3900" dirty="0"/>
+              <a:t> (Society of Automotive Engineers), development tools vary wildly.</a:t>
             </a:r>
           </a:p>
           <a:p>
@@ -3493,7 +3508,7 @@
               <a:buFont typeface="Arial" panose="020B0604020202020204" pitchFamily="34" charset="0"/>
               <a:buChar char="•"/>
             </a:pPr>
-            <a:endParaRPr lang="en-US" sz="1050" dirty="0"/>
+            <a:endParaRPr lang="en-US" sz="800" dirty="0"/>
           </a:p>
           <a:p>
             <a:pPr marL="571500" indent="-571500">
@@ -3501,7 +3516,24 @@
               <a:buChar char="•"/>
             </a:pPr>
             <a:r>
-              <a:rPr lang="en-US" sz="3600" dirty="0"/>
+              <a:rPr lang="en-US" sz="3900" dirty="0"/>
+              <a:t>Lack of standard development tools can lead to confusion when working with different software vendor APIs (Application Protocol Interfaces) or ECU (Electronic Control Unit) Suppliers </a:t>
+            </a:r>
+          </a:p>
+          <a:p>
+            <a:pPr marL="571500" indent="-571500">
+              <a:buFont typeface="Arial" panose="020B0604020202020204" pitchFamily="34" charset="0"/>
+              <a:buChar char="•"/>
+            </a:pPr>
+            <a:endParaRPr lang="en-US" sz="800" dirty="0"/>
+          </a:p>
+          <a:p>
+            <a:pPr marL="571500" indent="-571500">
+              <a:buFont typeface="Arial" panose="020B0604020202020204" pitchFamily="34" charset="0"/>
+              <a:buChar char="•"/>
+            </a:pPr>
+            <a:r>
+              <a:rPr lang="en-US" sz="3900" dirty="0"/>
               <a:t>Resources to unify different development tools may increase productivity and foster innovation through market competition by increasing accessibility and ease of development for CAN systems</a:t>
             </a:r>
           </a:p>
@@ -3521,8 +3553,8 @@
         </p:nvSpPr>
         <p:spPr>
           <a:xfrm>
-            <a:off x="696685" y="19003840"/>
-            <a:ext cx="8289348" cy="5270659"/>
+            <a:off x="696685" y="20373788"/>
+            <a:ext cx="8289348" cy="5615761"/>
           </a:xfrm>
           <a:prstGeom prst="roundRect">
             <a:avLst>
@@ -3631,6 +3663,12 @@
           <a:p>
             <a:endParaRPr lang="en-US" sz="1100" dirty="0"/>
           </a:p>
+          <a:p>
+            <a:endParaRPr lang="en-US" sz="1100" dirty="0"/>
+          </a:p>
+          <a:p>
+            <a:endParaRPr lang="en-US" sz="1100" dirty="0"/>
+          </a:p>
         </p:txBody>
       </p:sp>
       <p:sp>
@@ -3647,7 +3685,7 @@
         </p:nvSpPr>
         <p:spPr>
           <a:xfrm>
-            <a:off x="914230" y="19165899"/>
+            <a:off x="914230" y="20535847"/>
             <a:ext cx="7876150" cy="1066205"/>
           </a:xfrm>
           <a:prstGeom prst="roundRect">
@@ -3693,8 +3731,8 @@
         </p:nvSpPr>
         <p:spPr>
           <a:xfrm>
-            <a:off x="914229" y="20232104"/>
-            <a:ext cx="7876150" cy="3970318"/>
+            <a:off x="914229" y="21602052"/>
+            <a:ext cx="7876150" cy="4401205"/>
           </a:xfrm>
           <a:prstGeom prst="rect">
             <a:avLst/>
@@ -3708,7 +3746,7 @@
           <a:lstStyle/>
           <a:p>
             <a:r>
-              <a:rPr lang="en-US" sz="3600" dirty="0"/>
+              <a:rPr lang="en-US" sz="4000" dirty="0"/>
               <a:t>The purpose of this project was to develop a static analysis tool to boost productivity for development and debugging of CAN related applications in various usage scenarios, irrespective of APIs or development tools used.</a:t>
             </a:r>
           </a:p>
@@ -3728,8 +3766,8 @@
         </p:nvSpPr>
         <p:spPr>
           <a:xfrm>
-            <a:off x="696685" y="24436558"/>
-            <a:ext cx="8289348" cy="7937361"/>
+            <a:off x="687007" y="26161695"/>
+            <a:ext cx="8289348" cy="6183987"/>
           </a:xfrm>
           <a:prstGeom prst="roundRect">
             <a:avLst>
@@ -3803,24 +3841,6 @@
             <a:endParaRPr lang="en-US" dirty="0"/>
           </a:p>
           <a:p>
-            <a:endParaRPr lang="en-US" dirty="0"/>
-          </a:p>
-          <a:p>
-            <a:endParaRPr lang="en-US" dirty="0"/>
-          </a:p>
-          <a:p>
-            <a:endParaRPr lang="en-US" dirty="0"/>
-          </a:p>
-          <a:p>
-            <a:endParaRPr lang="en-US" dirty="0"/>
-          </a:p>
-          <a:p>
-            <a:endParaRPr lang="en-US" dirty="0"/>
-          </a:p>
-          <a:p>
-            <a:endParaRPr lang="en-US" dirty="0"/>
-          </a:p>
-          <a:p>
             <a:endParaRPr lang="en-US" sz="1000" dirty="0"/>
           </a:p>
           <a:p>
@@ -3854,7 +3874,7 @@
         </p:nvSpPr>
         <p:spPr>
           <a:xfrm>
-            <a:off x="914229" y="24645162"/>
+            <a:off x="898437" y="26308333"/>
             <a:ext cx="7876150" cy="1066205"/>
           </a:xfrm>
           <a:prstGeom prst="roundRect">
@@ -3900,8 +3920,8 @@
         </p:nvSpPr>
         <p:spPr>
           <a:xfrm>
-            <a:off x="914229" y="25672490"/>
-            <a:ext cx="7876150" cy="6740307"/>
+            <a:off x="898437" y="27268212"/>
+            <a:ext cx="7876150" cy="5016758"/>
           </a:xfrm>
           <a:prstGeom prst="rect">
             <a:avLst/>
@@ -3919,8 +3939,8 @@
               <a:buChar char="•"/>
             </a:pPr>
             <a:r>
-              <a:rPr lang="en-US" sz="3600" dirty="0"/>
-              <a:t>Navigated between various programming languages with ease.</a:t>
+              <a:rPr lang="en-US" sz="4000" dirty="0"/>
+              <a:t>Developed new automation tools while still utilizing existing tools and methods to boost productivity.</a:t>
             </a:r>
           </a:p>
           <a:p>
@@ -3929,28 +3949,8 @@
               <a:buChar char="•"/>
             </a:pPr>
             <a:r>
-              <a:rPr lang="en-US" sz="3600" dirty="0"/>
-              <a:t>Developed new automation tools while still utilizing existing tools and methods to boost productivity.</a:t>
-            </a:r>
-          </a:p>
-          <a:p>
-            <a:pPr marL="571500" indent="-571500">
-              <a:buFont typeface="Arial" panose="020B0604020202020204" pitchFamily="34" charset="0"/>
-              <a:buChar char="•"/>
-            </a:pPr>
-            <a:r>
-              <a:rPr lang="en-US" sz="3600" dirty="0"/>
+              <a:rPr lang="en-US" sz="4000" dirty="0"/>
               <a:t>Studied existing development technologies to understand how they can be leveraged for use in future technologies.</a:t>
-            </a:r>
-          </a:p>
-          <a:p>
-            <a:pPr marL="571500" indent="-571500">
-              <a:buFont typeface="Arial" panose="020B0604020202020204" pitchFamily="34" charset="0"/>
-              <a:buChar char="•"/>
-            </a:pPr>
-            <a:r>
-              <a:rPr lang="en-US" sz="3600" dirty="0"/>
-              <a:t>Learned, implemented, and troubleshooted new mechanisms for faster knowledge collection.</a:t>
             </a:r>
           </a:p>
         </p:txBody>
@@ -4462,7 +4462,7 @@
                   <a:schemeClr val="bg1"/>
                 </a:solidFill>
               </a:rPr>
-              <a:t>TABLES &amp; FIGURES</a:t>
+              <a:t>FIGURES</a:t>
             </a:r>
           </a:p>
         </p:txBody>
@@ -5041,15 +5041,7 @@
             </a:pPr>
             <a:r>
               <a:rPr lang="en-US" sz="4000" dirty="0"/>
-              <a:t>A total </a:t>
-            </a:r>
-            <a:r>
-              <a:rPr lang="en-US" sz="4000"/>
-              <a:t>of 122 </a:t>
-            </a:r>
-            <a:r>
-              <a:rPr lang="en-US" sz="4000" dirty="0"/>
-              <a:t>ASTs were generated for use in pattern prediction</a:t>
+              <a:t>A total of 122 ASTs were generated for use in pattern prediction</a:t>
             </a:r>
           </a:p>
         </p:txBody>
